--- a/demo/Qr-codes_presentation.pptx
+++ b/demo/Qr-codes_presentation.pptx
@@ -118,6 +118,11 @@
       </a:defRPr>
     </a:lvl9pPr>
   </p:defaultTextStyle>
+  <p:extLst>
+    <p:ext uri="{EFAFB233-063F-42B5-8137-9DF3F51BA10A}">
+      <p15:sldGuideLst xmlns:p15="http://schemas.microsoft.com/office/powerpoint/2012/main"/>
+    </p:ext>
+  </p:extLst>
 </p:presentation>
 </file>
 
@@ -215,7 +220,7 @@
           <a:p>
             <a:fld id="{D5AC982D-AFAD-4EC0-8DBF-14B2A905504C}" type="datetimeFigureOut">
               <a:rPr lang="ru-RU" smtClean="0"/>
-              <a:t>26.05.2020</a:t>
+              <a:t>27.05.2020</a:t>
             </a:fld>
             <a:endParaRPr lang="ru-RU"/>
           </a:p>
@@ -705,7 +710,7 @@
           <a:p>
             <a:fld id="{56FC8CB2-A0CC-4E1D-855C-424E4C5718D6}" type="datetimeFigureOut">
               <a:rPr lang="ru-RU" smtClean="0"/>
-              <a:t>26.05.2020</a:t>
+              <a:t>27.05.2020</a:t>
             </a:fld>
             <a:endParaRPr lang="ru-RU"/>
           </a:p>
@@ -916,7 +921,7 @@
           <a:p>
             <a:fld id="{56FC8CB2-A0CC-4E1D-855C-424E4C5718D6}" type="datetimeFigureOut">
               <a:rPr lang="ru-RU" smtClean="0"/>
-              <a:t>26.05.2020</a:t>
+              <a:t>27.05.2020</a:t>
             </a:fld>
             <a:endParaRPr lang="ru-RU"/>
           </a:p>
@@ -1131,7 +1136,7 @@
           <a:p>
             <a:fld id="{56FC8CB2-A0CC-4E1D-855C-424E4C5718D6}" type="datetimeFigureOut">
               <a:rPr lang="ru-RU" smtClean="0"/>
-              <a:t>26.05.2020</a:t>
+              <a:t>27.05.2020</a:t>
             </a:fld>
             <a:endParaRPr lang="ru-RU"/>
           </a:p>
@@ -1332,7 +1337,7 @@
           <a:p>
             <a:fld id="{56FC8CB2-A0CC-4E1D-855C-424E4C5718D6}" type="datetimeFigureOut">
               <a:rPr lang="ru-RU" smtClean="0"/>
-              <a:t>26.05.2020</a:t>
+              <a:t>27.05.2020</a:t>
             </a:fld>
             <a:endParaRPr lang="ru-RU"/>
           </a:p>
@@ -1611,7 +1616,7 @@
           <a:p>
             <a:fld id="{56FC8CB2-A0CC-4E1D-855C-424E4C5718D6}" type="datetimeFigureOut">
               <a:rPr lang="ru-RU" smtClean="0"/>
-              <a:t>26.05.2020</a:t>
+              <a:t>27.05.2020</a:t>
             </a:fld>
             <a:endParaRPr lang="ru-RU"/>
           </a:p>
@@ -1879,7 +1884,7 @@
           <a:p>
             <a:fld id="{56FC8CB2-A0CC-4E1D-855C-424E4C5718D6}" type="datetimeFigureOut">
               <a:rPr lang="ru-RU" smtClean="0"/>
-              <a:t>26.05.2020</a:t>
+              <a:t>27.05.2020</a:t>
             </a:fld>
             <a:endParaRPr lang="ru-RU"/>
           </a:p>
@@ -2295,7 +2300,7 @@
           <a:p>
             <a:fld id="{56FC8CB2-A0CC-4E1D-855C-424E4C5718D6}" type="datetimeFigureOut">
               <a:rPr lang="ru-RU" smtClean="0"/>
-              <a:t>26.05.2020</a:t>
+              <a:t>27.05.2020</a:t>
             </a:fld>
             <a:endParaRPr lang="ru-RU"/>
           </a:p>
@@ -2444,7 +2449,7 @@
           <a:p>
             <a:fld id="{56FC8CB2-A0CC-4E1D-855C-424E4C5718D6}" type="datetimeFigureOut">
               <a:rPr lang="ru-RU" smtClean="0"/>
-              <a:t>26.05.2020</a:t>
+              <a:t>27.05.2020</a:t>
             </a:fld>
             <a:endParaRPr lang="ru-RU"/>
           </a:p>
@@ -2570,7 +2575,7 @@
           <a:p>
             <a:fld id="{56FC8CB2-A0CC-4E1D-855C-424E4C5718D6}" type="datetimeFigureOut">
               <a:rPr lang="ru-RU" smtClean="0"/>
-              <a:t>26.05.2020</a:t>
+              <a:t>27.05.2020</a:t>
             </a:fld>
             <a:endParaRPr lang="ru-RU"/>
           </a:p>
@@ -2821,7 +2826,7 @@
           <a:p>
             <a:fld id="{56FC8CB2-A0CC-4E1D-855C-424E4C5718D6}" type="datetimeFigureOut">
               <a:rPr lang="ru-RU" smtClean="0"/>
-              <a:t>26.05.2020</a:t>
+              <a:t>27.05.2020</a:t>
             </a:fld>
             <a:endParaRPr lang="ru-RU"/>
           </a:p>
@@ -3266,7 +3271,7 @@
           <a:p>
             <a:fld id="{56FC8CB2-A0CC-4E1D-855C-424E4C5718D6}" type="datetimeFigureOut">
               <a:rPr lang="ru-RU" smtClean="0"/>
-              <a:t>26.05.2020</a:t>
+              <a:t>27.05.2020</a:t>
             </a:fld>
             <a:endParaRPr lang="ru-RU"/>
           </a:p>
@@ -3593,7 +3598,7 @@
           <a:p>
             <a:fld id="{56FC8CB2-A0CC-4E1D-855C-424E4C5718D6}" type="datetimeFigureOut">
               <a:rPr lang="ru-RU" smtClean="0"/>
-              <a:t>26.05.2020</a:t>
+              <a:t>27.05.2020</a:t>
             </a:fld>
             <a:endParaRPr lang="ru-RU"/>
           </a:p>
@@ -4370,10 +4375,10 @@
       </p:sp>
       <p:pic>
         <p:nvPicPr>
-          <p:cNvPr id="7" name="Объект 6">
+          <p:cNvPr id="15" name="Объект 14">
             <a:extLst>
               <a:ext uri="{FF2B5EF4-FFF2-40B4-BE49-F238E27FC236}">
-                <a16:creationId xmlns:a16="http://schemas.microsoft.com/office/drawing/2014/main" id="{1E78B7A1-9329-49C0-BC8D-C37D636A832C}"/>
+                <a16:creationId xmlns:a16="http://schemas.microsoft.com/office/drawing/2014/main" id="{71B54B60-1D2C-4A33-B061-66232DA83F32}"/>
               </a:ext>
             </a:extLst>
           </p:cNvPr>
@@ -4381,49 +4386,18 @@
             <a:picLocks noGrp="1" noChangeAspect="1"/>
           </p:cNvPicPr>
           <p:nvPr>
-            <p:ph sz="half" idx="1"/>
+            <p:ph idx="1"/>
           </p:nvPr>
         </p:nvPicPr>
         <p:blipFill rotWithShape="1">
           <a:blip r:embed="rId2"/>
-          <a:srcRect r="46316" b="41416"/>
+          <a:srcRect l="5358" t="-129" r="52563" b="5145"/>
           <a:stretch/>
         </p:blipFill>
         <p:spPr>
           <a:xfrm>
-            <a:off x="371332" y="1621411"/>
-            <a:ext cx="5405680" cy="3318234"/>
-          </a:xfrm>
-          <a:prstGeom prst="rect">
-            <a:avLst/>
-          </a:prstGeom>
-        </p:spPr>
-      </p:pic>
-      <p:pic>
-        <p:nvPicPr>
-          <p:cNvPr id="8" name="Объект 7">
-            <a:extLst>
-              <a:ext uri="{FF2B5EF4-FFF2-40B4-BE49-F238E27FC236}">
-                <a16:creationId xmlns:a16="http://schemas.microsoft.com/office/drawing/2014/main" id="{C72B57CB-81C5-4952-92F2-E64286052F6C}"/>
-              </a:ext>
-            </a:extLst>
-          </p:cNvPr>
-          <p:cNvPicPr>
-            <a:picLocks noGrp="1" noChangeAspect="1"/>
-          </p:cNvPicPr>
-          <p:nvPr>
-            <p:ph sz="half" idx="2"/>
-          </p:nvPr>
-        </p:nvPicPr>
-        <p:blipFill rotWithShape="1">
-          <a:blip r:embed="rId3"/>
-          <a:srcRect l="1" t="-926" r="17358" b="5516"/>
-          <a:stretch/>
-        </p:blipFill>
-        <p:spPr>
-          <a:xfrm>
-            <a:off x="6243880" y="1601149"/>
-            <a:ext cx="5247394" cy="3407773"/>
+            <a:off x="3458798" y="1329136"/>
+            <a:ext cx="4978192" cy="5413986"/>
           </a:xfrm>
           <a:prstGeom prst="rect">
             <a:avLst/>
@@ -4784,8 +4758,26 @@
           <a:p>
             <a:r>
               <a:rPr lang="ru-RU" dirty="0"/>
-              <a:t>Состав приложения:</a:t>
-            </a:r>
+              <a:t>Класс </a:t>
+            </a:r>
+            <a:r>
+              <a:rPr lang="en-US" dirty="0" err="1">
+                <a:latin typeface="Calibri" panose="020F0502020204030204" pitchFamily="34" charset="0"/>
+                <a:cs typeface="Calibri" panose="020F0502020204030204" pitchFamily="34" charset="0"/>
+              </a:rPr>
+              <a:t>dataEncoder</a:t>
+            </a:r>
+            <a:r>
+              <a:rPr lang="en-US" dirty="0">
+                <a:latin typeface="Calibri" panose="020F0502020204030204" pitchFamily="34" charset="0"/>
+                <a:cs typeface="Calibri" panose="020F0502020204030204" pitchFamily="34" charset="0"/>
+              </a:rPr>
+              <a:t>:</a:t>
+            </a:r>
+            <a:endParaRPr lang="ru-RU" dirty="0">
+              <a:latin typeface="Calibri" panose="020F0502020204030204" pitchFamily="34" charset="0"/>
+              <a:cs typeface="Calibri" panose="020F0502020204030204" pitchFamily="34" charset="0"/>
+            </a:endParaRPr>
           </a:p>
         </p:txBody>
       </p:sp>
@@ -4812,47 +4804,130 @@
           <a:p>
             <a:r>
               <a:rPr lang="ru-RU" dirty="0"/>
+              <a:t> В файле </a:t>
+            </a:r>
+            <a:r>
+              <a:rPr lang="en-US" dirty="0" err="1"/>
+              <a:t>dataEncoder.h</a:t>
+            </a:r>
+            <a:r>
+              <a:rPr lang="en-US" dirty="0"/>
               <a:t> </a:t>
             </a:r>
             <a:r>
-              <a:rPr lang="ru-RU" dirty="0" err="1"/>
-              <a:t>dataEncoder.h</a:t>
-            </a:r>
-            <a:r>
-              <a:rPr lang="ru-RU" dirty="0"/>
-              <a:t> - заголовочный файл для класса </a:t>
-            </a:r>
-            <a:r>
-              <a:rPr lang="ru-RU" dirty="0" err="1"/>
-              <a:t>dataEncoder</a:t>
-            </a:r>
-            <a:r>
-              <a:rPr lang="ru-RU" dirty="0"/>
-              <a:t>. Этот класс отвечает за полную обработку последовательности как бит так и байт данных. в качестве входного параметра конструктора выступает строка текста. </a:t>
-            </a:r>
-          </a:p>
-          <a:p>
-            <a:r>
-              <a:rPr lang="ru-RU" dirty="0"/>
-              <a:t> dataEncoderFunctions.cpp - файл, содержащий описание всех методов(функций) реализуемых в классе </a:t>
-            </a:r>
-            <a:r>
-              <a:rPr lang="ru-RU" dirty="0" err="1"/>
-              <a:t>dataEncoder</a:t>
-            </a:r>
-            <a:r>
-              <a:rPr lang="ru-RU" dirty="0"/>
-              <a:t>. </a:t>
-            </a:r>
-          </a:p>
-          <a:p>
-            <a:r>
-              <a:rPr lang="ru-RU" dirty="0"/>
-              <a:t> main.cpp - файл, отвечающий за входные и выходные данные.</a:t>
-            </a:r>
-          </a:p>
-          <a:p>
-            <a:endParaRPr lang="ru-RU" dirty="0"/>
+              <a:rPr lang="ru-RU" dirty="0"/>
+              <a:t>определён класс </a:t>
+            </a:r>
+            <a:r>
+              <a:rPr lang="en-US" dirty="0" err="1"/>
+              <a:t>DataEncoder</a:t>
+            </a:r>
+            <a:r>
+              <a:rPr lang="en-US" dirty="0"/>
+              <a:t>,</a:t>
+            </a:r>
+            <a:r>
+              <a:rPr lang="ru-RU" dirty="0"/>
+              <a:t> который и отвечает за преобразование информации и создание </a:t>
+            </a:r>
+            <a:r>
+              <a:rPr lang="en-US" dirty="0" err="1"/>
+              <a:t>Qr</a:t>
+            </a:r>
+            <a:r>
+              <a:rPr lang="en-US" dirty="0"/>
+              <a:t>-</a:t>
+            </a:r>
+            <a:r>
+              <a:rPr lang="ru-RU" dirty="0"/>
+              <a:t>кода. На вход конструктора этого класса входит преобразуемый текст.  Ограничением по вводимому тексту служит максимальное кол-во бит (соответствующее 18672 бит, что соответствует 40 версии).  В этом классе определён 1-открытый метод </a:t>
+            </a:r>
+            <a:r>
+              <a:rPr lang="en-US" dirty="0"/>
+              <a:t>void print,</a:t>
+            </a:r>
+            <a:r>
+              <a:rPr lang="ru-RU" dirty="0"/>
+              <a:t> отвечающий за вывод созданного </a:t>
+            </a:r>
+            <a:r>
+              <a:rPr lang="en-US" dirty="0" err="1"/>
+              <a:t>Qr</a:t>
+            </a:r>
+            <a:r>
+              <a:rPr lang="en-US" dirty="0"/>
+              <a:t>-</a:t>
+            </a:r>
+            <a:r>
+              <a:rPr lang="ru-RU" dirty="0"/>
+              <a:t>кода. Из закрытых методов нужно отметить:</a:t>
+            </a:r>
+          </a:p>
+          <a:p>
+            <a:pPr lvl="1"/>
+            <a:r>
+              <a:rPr lang="ru-RU" dirty="0"/>
+              <a:t> </a:t>
+            </a:r>
+            <a:r>
+              <a:rPr lang="en-US" dirty="0"/>
+              <a:t>void </a:t>
+            </a:r>
+            <a:r>
+              <a:rPr lang="en-US" dirty="0" err="1"/>
+              <a:t>blocksMerging</a:t>
+            </a:r>
+            <a:r>
+              <a:rPr lang="en-US" dirty="0"/>
+              <a:t> – </a:t>
+            </a:r>
+            <a:r>
+              <a:rPr lang="ru-RU" dirty="0"/>
+              <a:t>метод, возвращающий последовательность байт, на основе которой и строится </a:t>
+            </a:r>
+            <a:r>
+              <a:rPr lang="en-US" dirty="0" err="1"/>
+              <a:t>Qr</a:t>
+            </a:r>
+            <a:r>
+              <a:rPr lang="en-US" dirty="0"/>
+              <a:t>-</a:t>
+            </a:r>
+            <a:r>
+              <a:rPr lang="ru-RU" dirty="0"/>
+              <a:t>код</a:t>
+            </a:r>
+          </a:p>
+          <a:p>
+            <a:pPr lvl="1"/>
+            <a:r>
+              <a:rPr lang="en-US" dirty="0"/>
+              <a:t>void </a:t>
+            </a:r>
+            <a:r>
+              <a:rPr lang="en-US" dirty="0" err="1"/>
+              <a:t>qrCodeFiller</a:t>
+            </a:r>
+            <a:r>
+              <a:rPr lang="en-US" dirty="0"/>
+              <a:t>  -</a:t>
+            </a:r>
+            <a:r>
+              <a:rPr lang="ru-RU" dirty="0"/>
+              <a:t> метод, создающий «картинку» </a:t>
+            </a:r>
+            <a:r>
+              <a:rPr lang="en-US" dirty="0" err="1"/>
+              <a:t>Qr</a:t>
+            </a:r>
+            <a:r>
+              <a:rPr lang="en-US" dirty="0"/>
+              <a:t>-</a:t>
+            </a:r>
+            <a:r>
+              <a:rPr lang="ru-RU" dirty="0"/>
+              <a:t>кода </a:t>
+            </a:r>
           </a:p>
         </p:txBody>
       </p:sp>
@@ -5071,15 +5146,10 @@
             <a:spLocks noGrp="1"/>
           </p:cNvSpPr>
           <p:nvPr>
-            <p:ph sz="half" idx="1"/>
-          </p:nvPr>
-        </p:nvSpPr>
-        <p:spPr>
-          <a:xfrm>
-            <a:off x="838199" y="4562573"/>
-            <a:ext cx="9088225" cy="1614390"/>
-          </a:xfrm>
-        </p:spPr>
+            <p:ph idx="1"/>
+          </p:nvPr>
+        </p:nvSpPr>
+        <p:spPr/>
         <p:txBody>
           <a:bodyPr>
             <a:normAutofit/>
@@ -5090,6 +5160,22 @@
               <a:buNone/>
             </a:pPr>
             <a:r>
+              <a:rPr lang="ru-RU" dirty="0"/>
+              <a:t>В курсовой работе рассматривается вариант побайтового кодирования</a:t>
+            </a:r>
+            <a:endParaRPr lang="en-US" dirty="0"/>
+          </a:p>
+          <a:p>
+            <a:pPr marL="0" indent="0">
+              <a:buNone/>
+            </a:pPr>
+            <a:endParaRPr lang="ru-RU" dirty="0"/>
+          </a:p>
+          <a:p>
+            <a:pPr marL="0" indent="0">
+              <a:buNone/>
+            </a:pPr>
+            <a:r>
               <a:rPr lang="en-US" dirty="0"/>
               <a:t>Void </a:t>
             </a:r>
@@ -5097,60 +5183,29 @@
               <a:rPr lang="en-US" dirty="0" err="1"/>
               <a:t>binaryConverter</a:t>
             </a:r>
-            <a:endParaRPr lang="ru-RU" dirty="0"/>
-          </a:p>
-          <a:p>
-            <a:pPr marL="0" indent="0">
-              <a:buNone/>
-            </a:pPr>
-            <a:r>
-              <a:rPr lang="ru-RU" dirty="0"/>
-              <a:t>В курсовой работе рассматривается вариант побайтового кодирования</a:t>
-            </a:r>
-            <a:endParaRPr lang="en-US" dirty="0"/>
-          </a:p>
-          <a:p>
-            <a:pPr marL="0" indent="0">
-              <a:buNone/>
-            </a:pPr>
-            <a:r>
-              <a:rPr lang="ru-RU" dirty="0"/>
-              <a:t>(На скриншоте представлена программная реализация этого модуля)</a:t>
-            </a:r>
-          </a:p>
-        </p:txBody>
-      </p:sp>
-      <p:pic>
-        <p:nvPicPr>
-          <p:cNvPr id="6" name="Объект 5">
-            <a:extLst>
-              <a:ext uri="{FF2B5EF4-FFF2-40B4-BE49-F238E27FC236}">
-                <a16:creationId xmlns:a16="http://schemas.microsoft.com/office/drawing/2014/main" id="{0BFB70A1-35F3-45CE-9649-2493B094929F}"/>
-              </a:ext>
-            </a:extLst>
-          </p:cNvPr>
-          <p:cNvPicPr>
-            <a:picLocks noGrp="1" noChangeAspect="1"/>
-          </p:cNvPicPr>
-          <p:nvPr>
-            <p:ph sz="half" idx="2"/>
-          </p:nvPr>
-        </p:nvPicPr>
-        <p:blipFill rotWithShape="1">
-          <a:blip r:embed="rId2"/>
-          <a:srcRect l="7754" t="24932" r="41373" b="42063"/>
-          <a:stretch/>
-        </p:blipFill>
-        <p:spPr>
-          <a:xfrm>
-            <a:off x="1979628" y="1690688"/>
-            <a:ext cx="7404456" cy="2702203"/>
-          </a:xfrm>
-          <a:prstGeom prst="rect">
-            <a:avLst/>
-          </a:prstGeom>
-        </p:spPr>
-      </p:pic>
+            <a:r>
+              <a:rPr lang="en-US" dirty="0"/>
+              <a:t> – </a:t>
+            </a:r>
+            <a:r>
+              <a:rPr lang="ru-RU" dirty="0"/>
+              <a:t>функция, которая преобразует текст, который нужно обработать, в строку бинарного кода. Изменения из этого метода забираются через ссылку(</a:t>
+            </a:r>
+            <a:r>
+              <a:rPr lang="en-US" dirty="0"/>
+              <a:t>vector&lt;bool&gt;&amp; </a:t>
+            </a:r>
+            <a:r>
+              <a:rPr lang="en-US" dirty="0" err="1"/>
+              <a:t>sequenceOfBit</a:t>
+            </a:r>
+            <a:r>
+              <a:rPr lang="ru-RU" dirty="0"/>
+              <a:t>) на последовательность бит. </a:t>
+            </a:r>
+          </a:p>
+        </p:txBody>
+      </p:sp>
     </p:spTree>
     <p:extLst>
       <p:ext uri="{BB962C8B-B14F-4D97-AF65-F5344CB8AC3E}">
@@ -5371,12 +5426,7 @@
             <p:ph type="title"/>
           </p:nvPr>
         </p:nvSpPr>
-        <p:spPr>
-          <a:xfrm>
-            <a:off x="949597" y="228976"/>
-            <a:ext cx="9605635" cy="1059305"/>
-          </a:xfrm>
-        </p:spPr>
+        <p:spPr/>
         <p:txBody>
           <a:bodyPr/>
           <a:lstStyle/>
@@ -5401,15 +5451,10 @@
             <a:spLocks noGrp="1"/>
           </p:cNvSpPr>
           <p:nvPr>
-            <p:ph sz="half" idx="1"/>
-          </p:nvPr>
-        </p:nvSpPr>
-        <p:spPr>
-          <a:xfrm>
-            <a:off x="838199" y="4562573"/>
-            <a:ext cx="9088225" cy="1614390"/>
-          </a:xfrm>
-        </p:spPr>
+            <p:ph idx="1"/>
+          </p:nvPr>
+        </p:nvSpPr>
+        <p:spPr/>
         <p:txBody>
           <a:bodyPr>
             <a:normAutofit/>
@@ -5435,49 +5480,31 @@
               <a:rPr lang="ru-RU" dirty="0"/>
               <a:t>метод отвечающий за реализацию разбиения потока байт на блоки</a:t>
             </a:r>
+            <a:r>
+              <a:rPr lang="en-US" dirty="0"/>
+              <a:t>. </a:t>
+            </a:r>
+            <a:r>
+              <a:rPr lang="ru-RU" dirty="0"/>
+              <a:t>Последовательность байт</a:t>
+            </a:r>
+            <a:r>
+              <a:rPr lang="en-US" dirty="0"/>
+              <a:t> </a:t>
+            </a:r>
+            <a:r>
+              <a:rPr lang="ru-RU" dirty="0"/>
+              <a:t>разделяется на определённое для версии и уровня коррекции количество блоков. Если количество блоков равно одному, то этот этап пропускается.</a:t>
+            </a:r>
           </a:p>
           <a:p>
             <a:pPr marL="0" indent="0">
               <a:buNone/>
             </a:pPr>
-            <a:r>
-              <a:rPr lang="ru-RU" dirty="0"/>
-              <a:t>(На скриншоте представлена программная реализация этого модуля)</a:t>
-            </a:r>
-          </a:p>
-        </p:txBody>
-      </p:sp>
-      <p:pic>
-        <p:nvPicPr>
-          <p:cNvPr id="7" name="Объект 6">
-            <a:extLst>
-              <a:ext uri="{FF2B5EF4-FFF2-40B4-BE49-F238E27FC236}">
-                <a16:creationId xmlns:a16="http://schemas.microsoft.com/office/drawing/2014/main" id="{0AA2DDCD-1A9A-493F-91D4-925ACA5B7451}"/>
-              </a:ext>
-            </a:extLst>
-          </p:cNvPr>
-          <p:cNvPicPr>
-            <a:picLocks noGrp="1" noChangeAspect="1"/>
-          </p:cNvPicPr>
-          <p:nvPr>
-            <p:ph sz="half" idx="2"/>
-          </p:nvPr>
-        </p:nvPicPr>
-        <p:blipFill rotWithShape="1">
-          <a:blip r:embed="rId2"/>
-          <a:srcRect l="7019" t="17747" r="28360" b="33756"/>
-          <a:stretch/>
-        </p:blipFill>
-        <p:spPr>
-          <a:xfrm>
-            <a:off x="1706252" y="977878"/>
-            <a:ext cx="8220172" cy="3470151"/>
-          </a:xfrm>
-          <a:prstGeom prst="rect">
-            <a:avLst/>
-          </a:prstGeom>
-        </p:spPr>
-      </p:pic>
+            <a:endParaRPr lang="ru-RU" dirty="0"/>
+          </a:p>
+        </p:txBody>
+      </p:sp>
     </p:spTree>
     <p:extLst>
       <p:ext uri="{BB962C8B-B14F-4D97-AF65-F5344CB8AC3E}">
@@ -5749,12 +5776,7 @@
             <p:ph type="title"/>
           </p:nvPr>
         </p:nvSpPr>
-        <p:spPr>
-          <a:xfrm>
-            <a:off x="725079" y="148144"/>
-            <a:ext cx="10515600" cy="1325563"/>
-          </a:xfrm>
-        </p:spPr>
+        <p:spPr/>
         <p:txBody>
           <a:bodyPr/>
           <a:lstStyle/>
@@ -5779,15 +5801,10 @@
             <a:spLocks noGrp="1"/>
           </p:cNvSpPr>
           <p:nvPr>
-            <p:ph sz="half" idx="1"/>
-          </p:nvPr>
-        </p:nvSpPr>
-        <p:spPr>
-          <a:xfrm>
-            <a:off x="838199" y="4562573"/>
-            <a:ext cx="9088225" cy="1614390"/>
-          </a:xfrm>
-        </p:spPr>
+            <p:ph idx="1"/>
+          </p:nvPr>
+        </p:nvSpPr>
+        <p:spPr/>
         <p:txBody>
           <a:bodyPr>
             <a:normAutofit/>
@@ -5811,51 +5828,11 @@
             </a:r>
             <a:r>
               <a:rPr lang="ru-RU" dirty="0"/>
-              <a:t>метод отвечающий за объединение блоков байтов данных  и блоков байтов коррекции</a:t>
-            </a:r>
-          </a:p>
-          <a:p>
-            <a:pPr marL="0" indent="0">
-              <a:buNone/>
-            </a:pPr>
-            <a:r>
-              <a:rPr lang="ru-RU" dirty="0"/>
-              <a:t>(На скриншоте представлена программная реализация этого модуля)</a:t>
-            </a:r>
-          </a:p>
-        </p:txBody>
-      </p:sp>
-      <p:pic>
-        <p:nvPicPr>
-          <p:cNvPr id="8" name="Объект 7">
-            <a:extLst>
-              <a:ext uri="{FF2B5EF4-FFF2-40B4-BE49-F238E27FC236}">
-                <a16:creationId xmlns:a16="http://schemas.microsoft.com/office/drawing/2014/main" id="{F6B1595D-01AA-4637-9D26-1BC83669326A}"/>
-              </a:ext>
-            </a:extLst>
-          </p:cNvPr>
-          <p:cNvPicPr>
-            <a:picLocks noGrp="1" noChangeAspect="1"/>
-          </p:cNvPicPr>
-          <p:nvPr>
-            <p:ph sz="half" idx="2"/>
-          </p:nvPr>
-        </p:nvPicPr>
-        <p:blipFill rotWithShape="1">
-          <a:blip r:embed="rId2"/>
-          <a:srcRect l="6876" t="16357" r="21675" b="33471"/>
-          <a:stretch/>
-        </p:blipFill>
-        <p:spPr>
-          <a:xfrm>
-            <a:off x="1517715" y="1126233"/>
-            <a:ext cx="8116479" cy="3205940"/>
-          </a:xfrm>
-          <a:prstGeom prst="rect">
-            <a:avLst/>
-          </a:prstGeom>
-        </p:spPr>
-      </p:pic>
+              <a:t>метод отвечающий за объединение блоков байтов данных  и блоков байтов коррекции. Из каждого блока данных по очереди берётся один байт информации, когда очередь доходит до последнего блока, из него берётся байт и очередь переходит к первому блоку. Так продолжается до тех пор, пока в каждом блоке не кончатся байты. Если в текущем блоке уже нет байт, то он пропускается. Аналогичным образом происходит обработка блоков байтов коррекции.</a:t>
+            </a:r>
+          </a:p>
+        </p:txBody>
+      </p:sp>
     </p:spTree>
     <p:extLst>
       <p:ext uri="{BB962C8B-B14F-4D97-AF65-F5344CB8AC3E}">
